--- a/ppt/13-ml-misc.pptx
+++ b/ppt/13-ml-misc.pptx
@@ -264,7 +264,7 @@
           <a:p>
             <a:fld id="{C532CDA2-750D-FD45-A882-179FF79AAE4D}" type="datetimeFigureOut">
               <a:rPr kumimoji="1" lang="zh-CN" altLang="en-US" smtClean="0"/>
-              <a:t>2022/9/19</a:t>
+              <a:t>2022/9/21</a:t>
             </a:fld>
             <a:endParaRPr kumimoji="1" lang="zh-CN" altLang="en-US"/>
           </a:p>
@@ -764,7 +764,7 @@
           <a:p>
             <a:fld id="{863083FF-67D0-47DA-8916-8A170DE3AF72}" type="datetimeFigureOut">
               <a:rPr lang="zh-CN" altLang="en-US" smtClean="0"/>
-              <a:t>2022/9/19</a:t>
+              <a:t>2022/9/21</a:t>
             </a:fld>
             <a:endParaRPr lang="zh-CN" altLang="en-US"/>
           </a:p>
@@ -934,7 +934,7 @@
           <a:p>
             <a:fld id="{863083FF-67D0-47DA-8916-8A170DE3AF72}" type="datetimeFigureOut">
               <a:rPr lang="zh-CN" altLang="en-US" smtClean="0"/>
-              <a:t>2022/9/19</a:t>
+              <a:t>2022/9/21</a:t>
             </a:fld>
             <a:endParaRPr lang="zh-CN" altLang="en-US"/>
           </a:p>
@@ -1114,7 +1114,7 @@
           <a:p>
             <a:fld id="{863083FF-67D0-47DA-8916-8A170DE3AF72}" type="datetimeFigureOut">
               <a:rPr lang="zh-CN" altLang="en-US" smtClean="0"/>
-              <a:t>2022/9/19</a:t>
+              <a:t>2022/9/21</a:t>
             </a:fld>
             <a:endParaRPr lang="zh-CN" altLang="en-US"/>
           </a:p>
@@ -1284,7 +1284,7 @@
           <a:p>
             <a:fld id="{863083FF-67D0-47DA-8916-8A170DE3AF72}" type="datetimeFigureOut">
               <a:rPr lang="zh-CN" altLang="en-US" smtClean="0"/>
-              <a:t>2022/9/19</a:t>
+              <a:t>2022/9/21</a:t>
             </a:fld>
             <a:endParaRPr lang="zh-CN" altLang="en-US"/>
           </a:p>
@@ -1528,7 +1528,7 @@
           <a:p>
             <a:fld id="{863083FF-67D0-47DA-8916-8A170DE3AF72}" type="datetimeFigureOut">
               <a:rPr lang="zh-CN" altLang="en-US" smtClean="0"/>
-              <a:t>2022/9/19</a:t>
+              <a:t>2022/9/21</a:t>
             </a:fld>
             <a:endParaRPr lang="zh-CN" altLang="en-US"/>
           </a:p>
@@ -1760,7 +1760,7 @@
           <a:p>
             <a:fld id="{863083FF-67D0-47DA-8916-8A170DE3AF72}" type="datetimeFigureOut">
               <a:rPr lang="zh-CN" altLang="en-US" smtClean="0"/>
-              <a:t>2022/9/19</a:t>
+              <a:t>2022/9/21</a:t>
             </a:fld>
             <a:endParaRPr lang="zh-CN" altLang="en-US"/>
           </a:p>
@@ -2127,7 +2127,7 @@
           <a:p>
             <a:fld id="{863083FF-67D0-47DA-8916-8A170DE3AF72}" type="datetimeFigureOut">
               <a:rPr lang="zh-CN" altLang="en-US" smtClean="0"/>
-              <a:t>2022/9/19</a:t>
+              <a:t>2022/9/21</a:t>
             </a:fld>
             <a:endParaRPr lang="zh-CN" altLang="en-US"/>
           </a:p>
@@ -2245,7 +2245,7 @@
           <a:p>
             <a:fld id="{863083FF-67D0-47DA-8916-8A170DE3AF72}" type="datetimeFigureOut">
               <a:rPr lang="zh-CN" altLang="en-US" smtClean="0"/>
-              <a:t>2022/9/19</a:t>
+              <a:t>2022/9/21</a:t>
             </a:fld>
             <a:endParaRPr lang="zh-CN" altLang="en-US"/>
           </a:p>
@@ -2340,7 +2340,7 @@
           <a:p>
             <a:fld id="{863083FF-67D0-47DA-8916-8A170DE3AF72}" type="datetimeFigureOut">
               <a:rPr lang="zh-CN" altLang="en-US" smtClean="0"/>
-              <a:t>2022/9/19</a:t>
+              <a:t>2022/9/21</a:t>
             </a:fld>
             <a:endParaRPr lang="zh-CN" altLang="en-US"/>
           </a:p>
@@ -2617,7 +2617,7 @@
           <a:p>
             <a:fld id="{863083FF-67D0-47DA-8916-8A170DE3AF72}" type="datetimeFigureOut">
               <a:rPr lang="zh-CN" altLang="en-US" smtClean="0"/>
-              <a:t>2022/9/19</a:t>
+              <a:t>2022/9/21</a:t>
             </a:fld>
             <a:endParaRPr lang="zh-CN" altLang="en-US"/>
           </a:p>
@@ -2874,7 +2874,7 @@
           <a:p>
             <a:fld id="{863083FF-67D0-47DA-8916-8A170DE3AF72}" type="datetimeFigureOut">
               <a:rPr lang="zh-CN" altLang="en-US" smtClean="0"/>
-              <a:t>2022/9/19</a:t>
+              <a:t>2022/9/21</a:t>
             </a:fld>
             <a:endParaRPr lang="zh-CN" altLang="en-US"/>
           </a:p>
@@ -3087,7 +3087,7 @@
           <a:p>
             <a:fld id="{863083FF-67D0-47DA-8916-8A170DE3AF72}" type="datetimeFigureOut">
               <a:rPr lang="zh-CN" altLang="en-US" smtClean="0"/>
-              <a:t>2022/9/19</a:t>
+              <a:t>2022/9/21</a:t>
             </a:fld>
             <a:endParaRPr lang="zh-CN" altLang="en-US"/>
           </a:p>

--- a/ppt/13-ml-misc.pptx
+++ b/ppt/13-ml-misc.pptx
@@ -264,7 +264,7 @@
           <a:p>
             <a:fld id="{C532CDA2-750D-FD45-A882-179FF79AAE4D}" type="datetimeFigureOut">
               <a:rPr kumimoji="1" lang="zh-CN" altLang="en-US" smtClean="0"/>
-              <a:t>2022/9/21</a:t>
+              <a:t>2023/9/25</a:t>
             </a:fld>
             <a:endParaRPr kumimoji="1" lang="zh-CN" altLang="en-US"/>
           </a:p>
@@ -764,7 +764,7 @@
           <a:p>
             <a:fld id="{863083FF-67D0-47DA-8916-8A170DE3AF72}" type="datetimeFigureOut">
               <a:rPr lang="zh-CN" altLang="en-US" smtClean="0"/>
-              <a:t>2022/9/21</a:t>
+              <a:t>2023/9/25</a:t>
             </a:fld>
             <a:endParaRPr lang="zh-CN" altLang="en-US"/>
           </a:p>
@@ -934,7 +934,7 @@
           <a:p>
             <a:fld id="{863083FF-67D0-47DA-8916-8A170DE3AF72}" type="datetimeFigureOut">
               <a:rPr lang="zh-CN" altLang="en-US" smtClean="0"/>
-              <a:t>2022/9/21</a:t>
+              <a:t>2023/9/25</a:t>
             </a:fld>
             <a:endParaRPr lang="zh-CN" altLang="en-US"/>
           </a:p>
@@ -1114,7 +1114,7 @@
           <a:p>
             <a:fld id="{863083FF-67D0-47DA-8916-8A170DE3AF72}" type="datetimeFigureOut">
               <a:rPr lang="zh-CN" altLang="en-US" smtClean="0"/>
-              <a:t>2022/9/21</a:t>
+              <a:t>2023/9/25</a:t>
             </a:fld>
             <a:endParaRPr lang="zh-CN" altLang="en-US"/>
           </a:p>
@@ -1284,7 +1284,7 @@
           <a:p>
             <a:fld id="{863083FF-67D0-47DA-8916-8A170DE3AF72}" type="datetimeFigureOut">
               <a:rPr lang="zh-CN" altLang="en-US" smtClean="0"/>
-              <a:t>2022/9/21</a:t>
+              <a:t>2023/9/25</a:t>
             </a:fld>
             <a:endParaRPr lang="zh-CN" altLang="en-US"/>
           </a:p>
@@ -1528,7 +1528,7 @@
           <a:p>
             <a:fld id="{863083FF-67D0-47DA-8916-8A170DE3AF72}" type="datetimeFigureOut">
               <a:rPr lang="zh-CN" altLang="en-US" smtClean="0"/>
-              <a:t>2022/9/21</a:t>
+              <a:t>2023/9/25</a:t>
             </a:fld>
             <a:endParaRPr lang="zh-CN" altLang="en-US"/>
           </a:p>
@@ -1760,7 +1760,7 @@
           <a:p>
             <a:fld id="{863083FF-67D0-47DA-8916-8A170DE3AF72}" type="datetimeFigureOut">
               <a:rPr lang="zh-CN" altLang="en-US" smtClean="0"/>
-              <a:t>2022/9/21</a:t>
+              <a:t>2023/9/25</a:t>
             </a:fld>
             <a:endParaRPr lang="zh-CN" altLang="en-US"/>
           </a:p>
@@ -2127,7 +2127,7 @@
           <a:p>
             <a:fld id="{863083FF-67D0-47DA-8916-8A170DE3AF72}" type="datetimeFigureOut">
               <a:rPr lang="zh-CN" altLang="en-US" smtClean="0"/>
-              <a:t>2022/9/21</a:t>
+              <a:t>2023/9/25</a:t>
             </a:fld>
             <a:endParaRPr lang="zh-CN" altLang="en-US"/>
           </a:p>
@@ -2245,7 +2245,7 @@
           <a:p>
             <a:fld id="{863083FF-67D0-47DA-8916-8A170DE3AF72}" type="datetimeFigureOut">
               <a:rPr lang="zh-CN" altLang="en-US" smtClean="0"/>
-              <a:t>2022/9/21</a:t>
+              <a:t>2023/9/25</a:t>
             </a:fld>
             <a:endParaRPr lang="zh-CN" altLang="en-US"/>
           </a:p>
@@ -2340,7 +2340,7 @@
           <a:p>
             <a:fld id="{863083FF-67D0-47DA-8916-8A170DE3AF72}" type="datetimeFigureOut">
               <a:rPr lang="zh-CN" altLang="en-US" smtClean="0"/>
-              <a:t>2022/9/21</a:t>
+              <a:t>2023/9/25</a:t>
             </a:fld>
             <a:endParaRPr lang="zh-CN" altLang="en-US"/>
           </a:p>
@@ -2617,7 +2617,7 @@
           <a:p>
             <a:fld id="{863083FF-67D0-47DA-8916-8A170DE3AF72}" type="datetimeFigureOut">
               <a:rPr lang="zh-CN" altLang="en-US" smtClean="0"/>
-              <a:t>2022/9/21</a:t>
+              <a:t>2023/9/25</a:t>
             </a:fld>
             <a:endParaRPr lang="zh-CN" altLang="en-US"/>
           </a:p>
@@ -2874,7 +2874,7 @@
           <a:p>
             <a:fld id="{863083FF-67D0-47DA-8916-8A170DE3AF72}" type="datetimeFigureOut">
               <a:rPr lang="zh-CN" altLang="en-US" smtClean="0"/>
-              <a:t>2022/9/21</a:t>
+              <a:t>2023/9/25</a:t>
             </a:fld>
             <a:endParaRPr lang="zh-CN" altLang="en-US"/>
           </a:p>
@@ -3087,7 +3087,7 @@
           <a:p>
             <a:fld id="{863083FF-67D0-47DA-8916-8A170DE3AF72}" type="datetimeFigureOut">
               <a:rPr lang="zh-CN" altLang="en-US" smtClean="0"/>
-              <a:t>2022/9/21</a:t>
+              <a:t>2023/9/25</a:t>
             </a:fld>
             <a:endParaRPr lang="zh-CN" altLang="en-US"/>
           </a:p>
@@ -5743,11 +5743,18 @@
           <a:p>
             <a:r>
               <a:rPr kumimoji="1" lang="zh-CN" altLang="en-US" dirty="0"/>
-              <a:t>如果现有的模型不能准确预测一个样本，则提高它在下一轮样本采样中，被采样到的概率（权重）</a:t>
+              <a:t>很多弱模型</a:t>
             </a:r>
             <a:endParaRPr kumimoji="1" lang="en-US" altLang="zh-CN" dirty="0"/>
           </a:p>
           <a:p>
+            <a:r>
+              <a:rPr kumimoji="1" lang="zh-CN" altLang="en-US" dirty="0"/>
+              <a:t>如果现有的模型不能准确预测一个样本，则提高它在下一轮样本采样中，被采样到的概率（权重），又训练一个模型</a:t>
+            </a:r>
+            <a:endParaRPr kumimoji="1" lang="en-US" altLang="zh-CN" dirty="0"/>
+          </a:p>
+          <a:p>
             <a:pPr lvl="1"/>
             <a:r>
               <a:rPr kumimoji="1" lang="zh-CN" altLang="en-US" dirty="0"/>
@@ -5758,7 +5765,7 @@
           <a:p>
             <a:r>
               <a:rPr kumimoji="1" lang="zh-CN" altLang="en-US" dirty="0"/>
-              <a:t>最后加权平均得到的各个模型的预测值，得到最终的预测结果</a:t>
+              <a:t>最后 加权平均 所有模型 的 预测值，得到最终的预测结果</a:t>
             </a:r>
             <a:endParaRPr kumimoji="1" lang="en-US" altLang="zh-CN" dirty="0"/>
           </a:p>
@@ -5889,6 +5896,189 @@
           </a:prstGeom>
         </p:spPr>
       </p:pic>
+      <p:sp>
+        <p:nvSpPr>
+          <p:cNvPr id="6" name="文本框 5">
+            <a:extLst>
+              <a:ext uri="{FF2B5EF4-FFF2-40B4-BE49-F238E27FC236}">
+                <a16:creationId xmlns:a16="http://schemas.microsoft.com/office/drawing/2014/main" id="{15DAC3BB-250E-3897-1A07-D9A93E76ACA4}"/>
+              </a:ext>
+            </a:extLst>
+          </p:cNvPr>
+          <p:cNvSpPr txBox="1"/>
+          <p:nvPr/>
+        </p:nvSpPr>
+        <p:spPr>
+          <a:xfrm>
+            <a:off x="6303924" y="-120802"/>
+            <a:ext cx="2798956" cy="1746632"/>
+          </a:xfrm>
+          <a:prstGeom prst="rect">
+            <a:avLst/>
+          </a:prstGeom>
+          <a:noFill/>
+        </p:spPr>
+        <p:txBody>
+          <a:bodyPr wrap="square">
+            <a:spAutoFit/>
+          </a:bodyPr>
+          <a:lstStyle/>
+          <a:p>
+            <a:endParaRPr lang="en" altLang="zh-CN" dirty="0">
+              <a:solidFill>
+                <a:srgbClr val="FF0000"/>
+              </a:solidFill>
+            </a:endParaRPr>
+          </a:p>
+          <a:p>
+            <a:pPr marL="0" algn="l">
+              <a:lnSpc>
+                <a:spcPct val="100000"/>
+              </a:lnSpc>
+              <a:spcBef>
+                <a:spcPts val="300"/>
+              </a:spcBef>
+              <a:spcAft>
+                <a:spcPts val="300"/>
+              </a:spcAft>
+            </a:pPr>
+            <a:r>
+              <a:rPr lang="en" altLang="zh-CN" sz="1800" b="0" i="0" spc="0" dirty="0" err="1">
+                <a:solidFill>
+                  <a:srgbClr val="FF0000"/>
+                </a:solidFill>
+                <a:effectLst/>
+              </a:rPr>
+              <a:t>wi</a:t>
+            </a:r>
+            <a:r>
+              <a:rPr lang="en" altLang="zh-CN" sz="1800" b="0" i="0" spc="0" dirty="0">
+                <a:solidFill>
+                  <a:srgbClr val="FF0000"/>
+                </a:solidFill>
+                <a:effectLst/>
+              </a:rPr>
+              <a:t> </a:t>
+            </a:r>
+            <a:r>
+              <a:rPr lang="zh-CN" altLang="en-US" sz="1800" b="0" i="0" spc="0" dirty="0">
+                <a:solidFill>
+                  <a:srgbClr val="FF0000"/>
+                </a:solidFill>
+                <a:effectLst/>
+              </a:rPr>
+              <a:t>样本权重</a:t>
+            </a:r>
+            <a:endParaRPr lang="zh-CN" altLang="en-US" sz="1800" dirty="0">
+              <a:solidFill>
+                <a:srgbClr val="FF0000"/>
+              </a:solidFill>
+              <a:effectLst/>
+            </a:endParaRPr>
+          </a:p>
+          <a:p>
+            <a:pPr marL="0" algn="l">
+              <a:lnSpc>
+                <a:spcPct val="100000"/>
+              </a:lnSpc>
+              <a:spcBef>
+                <a:spcPts val="300"/>
+              </a:spcBef>
+              <a:spcAft>
+                <a:spcPts val="300"/>
+              </a:spcAft>
+            </a:pPr>
+            <a:r>
+              <a:rPr lang="zh-CN" altLang="en-US" dirty="0">
+                <a:solidFill>
+                  <a:srgbClr val="FF0000"/>
+                </a:solidFill>
+              </a:rPr>
+              <a:t>     </a:t>
+            </a:r>
+            <a:r>
+              <a:rPr lang="zh-CN" altLang="en-US" sz="1800" b="0" i="0" spc="0" dirty="0">
+                <a:solidFill>
+                  <a:srgbClr val="FF0000"/>
+                </a:solidFill>
+                <a:effectLst/>
+              </a:rPr>
+              <a:t>错一次，涨一次</a:t>
+            </a:r>
+            <a:endParaRPr lang="zh-CN" altLang="en-US" sz="1800" dirty="0">
+              <a:solidFill>
+                <a:srgbClr val="FF0000"/>
+              </a:solidFill>
+              <a:effectLst/>
+            </a:endParaRPr>
+          </a:p>
+          <a:p>
+            <a:pPr marL="0" algn="l">
+              <a:lnSpc>
+                <a:spcPct val="100000"/>
+              </a:lnSpc>
+              <a:spcBef>
+                <a:spcPts val="300"/>
+              </a:spcBef>
+              <a:spcAft>
+                <a:spcPts val="300"/>
+              </a:spcAft>
+            </a:pPr>
+            <a:r>
+              <a:rPr lang="en" altLang="zh-CN" sz="1800" b="0" i="0" spc="0" dirty="0">
+                <a:solidFill>
+                  <a:srgbClr val="FF0000"/>
+                </a:solidFill>
+                <a:effectLst/>
+              </a:rPr>
+              <a:t>alpha </a:t>
+            </a:r>
+            <a:r>
+              <a:rPr lang="zh-CN" altLang="en-US" sz="1800" b="0" i="0" spc="0" dirty="0">
+                <a:solidFill>
+                  <a:srgbClr val="FF0000"/>
+                </a:solidFill>
+                <a:effectLst/>
+              </a:rPr>
+              <a:t>模型权重</a:t>
+            </a:r>
+            <a:endParaRPr lang="zh-CN" altLang="en-US" sz="1800" dirty="0">
+              <a:solidFill>
+                <a:srgbClr val="FF0000"/>
+              </a:solidFill>
+              <a:effectLst/>
+            </a:endParaRPr>
+          </a:p>
+          <a:p>
+            <a:pPr marL="0" algn="l">
+              <a:lnSpc>
+                <a:spcPct val="100000"/>
+              </a:lnSpc>
+              <a:spcBef>
+                <a:spcPts val="300"/>
+              </a:spcBef>
+              <a:spcAft>
+                <a:spcPts val="300"/>
+              </a:spcAft>
+            </a:pPr>
+            <a:r>
+              <a:rPr lang="zh-CN" altLang="en-US" sz="1800" b="0" i="0" spc="0" dirty="0">
+                <a:solidFill>
+                  <a:srgbClr val="FF0000"/>
+                </a:solidFill>
+                <a:effectLst/>
+              </a:rPr>
+              <a:t>     错误率 越高，权重越低</a:t>
+            </a:r>
+            <a:endParaRPr lang="zh-CN" altLang="en-US" sz="1800" dirty="0">
+              <a:solidFill>
+                <a:srgbClr val="FF0000"/>
+              </a:solidFill>
+              <a:effectLst/>
+            </a:endParaRPr>
+          </a:p>
+        </p:txBody>
+      </p:sp>
     </p:spTree>
     <p:extLst>
       <p:ext uri="{BB962C8B-B14F-4D97-AF65-F5344CB8AC3E}">
@@ -6999,14 +7189,6 @@
             <a:r>
               <a:rPr kumimoji="1" lang="en-US" altLang="zh-CN" dirty="0" err="1"/>
               <a:t>XGBoost</a:t>
-            </a:r>
-            <a:endParaRPr kumimoji="1" lang="en-US" altLang="zh-CN" dirty="0"/>
-          </a:p>
-          <a:p>
-            <a:pPr lvl="1"/>
-            <a:r>
-              <a:rPr kumimoji="1" lang="zh-CN" altLang="en-US" dirty="0"/>
-              <a:t>后面会讲到</a:t>
             </a:r>
             <a:endParaRPr kumimoji="1" lang="en-US" altLang="zh-CN" dirty="0"/>
           </a:p>
@@ -8117,6 +8299,33 @@
               <a:t>的梯度</a:t>
             </a:r>
             <a:endParaRPr kumimoji="1" lang="en-US" altLang="zh-CN" dirty="0"/>
+          </a:p>
+          <a:p>
+            <a:pPr lvl="1"/>
+            <a:r>
+              <a:rPr kumimoji="1" lang="zh-CN" altLang="en-US" dirty="0"/>
+              <a:t>所以叫 </a:t>
+            </a:r>
+            <a:r>
+              <a:rPr kumimoji="1" lang="en-US" altLang="zh-CN" dirty="0">
+                <a:solidFill>
+                  <a:srgbClr val="FF0000"/>
+                </a:solidFill>
+              </a:rPr>
+              <a:t>Gradient</a:t>
+            </a:r>
+            <a:r>
+              <a:rPr kumimoji="1" lang="zh-CN" altLang="en-US" dirty="0">
+                <a:solidFill>
+                  <a:srgbClr val="FF0000"/>
+                </a:solidFill>
+              </a:rPr>
+              <a:t> </a:t>
+            </a:r>
+            <a:r>
+              <a:rPr kumimoji="1" lang="en-US" altLang="zh-CN" dirty="0"/>
+              <a:t>boosting</a:t>
+            </a:r>
           </a:p>
           <a:p>
             <a:pPr lvl="1"/>
